--- a/USA Real Estate Price Prediction Model.pptx
+++ b/USA Real Estate Price Prediction Model.pptx
@@ -3797,6 +3797,41 @@
           </a:p>
         </p:txBody>
       </p:sp>
+      <p:pic>
+        <p:nvPicPr>
+          <p:cNvPr id="5" name="Picture 4" descr="A house with a sold sign&#10;&#10;Description automatically generated with low confidence">
+            <a:extLst>
+              <a:ext uri="{FF2B5EF4-FFF2-40B4-BE49-F238E27FC236}">
+                <a16:creationId xmlns:a16="http://schemas.microsoft.com/office/drawing/2014/main" id="{6EB4D614-5118-FED4-E793-52A97DC5C801}"/>
+              </a:ext>
+            </a:extLst>
+          </p:cNvPr>
+          <p:cNvPicPr>
+            <a:picLocks noChangeAspect="1"/>
+          </p:cNvPicPr>
+          <p:nvPr/>
+        </p:nvPicPr>
+        <p:blipFill rotWithShape="1">
+          <a:blip r:embed="rId2">
+            <a:extLst>
+              <a:ext uri="{28A0092B-C50C-407E-A947-70E740481C1C}">
+                <a14:useLocalDpi xmlns:a14="http://schemas.microsoft.com/office/drawing/2010/main" val="0"/>
+              </a:ext>
+            </a:extLst>
+          </a:blip>
+          <a:srcRect l="8806"/>
+          <a:stretch/>
+        </p:blipFill>
+        <p:spPr>
+          <a:xfrm>
+            <a:off x="8016536" y="3429000"/>
+            <a:ext cx="3459989" cy="1840128"/>
+          </a:xfrm>
+          <a:prstGeom prst="rect">
+            <a:avLst/>
+          </a:prstGeom>
+        </p:spPr>
+      </p:pic>
     </p:spTree>
     <p:extLst>
       <p:ext uri="{BB962C8B-B14F-4D97-AF65-F5344CB8AC3E}">
@@ -4292,7 +4327,7 @@
               <a:buNone/>
             </a:pPr>
             <a:r>
-              <a:rPr lang="en-US" b="1" u="sng" dirty="0"/>
+              <a:rPr lang="en-US" u="sng" dirty="0"/>
               <a:t>Categorical – Nominal </a:t>
             </a:r>
           </a:p>
@@ -4574,7 +4609,7 @@
               <a:buNone/>
             </a:pPr>
             <a:r>
-              <a:rPr lang="en-US" b="1" u="sng" dirty="0"/>
+              <a:rPr lang="en-US" u="sng" dirty="0"/>
               <a:t>Categorical – Ordinal</a:t>
             </a:r>
           </a:p>
@@ -4843,7 +4878,7 @@
               <a:buNone/>
             </a:pPr>
             <a:r>
-              <a:rPr lang="en-US" b="1" u="sng" dirty="0"/>
+              <a:rPr lang="en-US" u="sng" dirty="0"/>
               <a:t>Continuous</a:t>
             </a:r>
           </a:p>
